--- a/slides/rest.pptx
+++ b/slides/rest.pptx
@@ -6,7 +6,7 @@
     <p:sldMasterId id="2147483661" r:id="rId2"/>
   </p:sldMasterIdLst>
   <p:notesMasterIdLst>
-    <p:notesMasterId r:id="rId12"/>
+    <p:notesMasterId r:id="rId14"/>
   </p:notesMasterIdLst>
   <p:sldIdLst>
     <p:sldId id="256" r:id="rId3"/>
@@ -16,8 +16,10 @@
     <p:sldId id="262" r:id="rId7"/>
     <p:sldId id="263" r:id="rId8"/>
     <p:sldId id="264" r:id="rId9"/>
-    <p:sldId id="265" r:id="rId10"/>
-    <p:sldId id="266" r:id="rId11"/>
+    <p:sldId id="267" r:id="rId10"/>
+    <p:sldId id="268" r:id="rId11"/>
+    <p:sldId id="265" r:id="rId12"/>
+    <p:sldId id="266" r:id="rId13"/>
   </p:sldIdLst>
   <p:sldSz cx="9144000" cy="6858000" type="screen4x3"/>
   <p:notesSz cx="6858000" cy="9144000"/>
@@ -593,6 +595,218 @@
 </p:notes>
 </file>
 
+<file path=ppt/notesSlides/notesSlide10.xml><?xml version="1.0" encoding="utf-8"?>
+<p:notes xmlns:a="http://schemas.openxmlformats.org/drawingml/2006/main" xmlns:r="http://schemas.openxmlformats.org/officeDocument/2006/relationships" xmlns:p="http://schemas.openxmlformats.org/presentationml/2006/main" showMasterSp="0" showMasterPhAnim="0">
+  <p:cSld>
+    <p:spTree>
+      <p:nvGrpSpPr>
+        <p:cNvPr id="1" name="Shape 51"/>
+        <p:cNvGrpSpPr/>
+        <p:nvPr/>
+      </p:nvGrpSpPr>
+      <p:grpSpPr>
+        <a:xfrm>
+          <a:off x="0" y="0"/>
+          <a:ext cx="0" cy="0"/>
+          <a:chOff x="0" y="0"/>
+          <a:chExt cx="0" cy="0"/>
+        </a:xfrm>
+      </p:grpSpPr>
+      <p:sp>
+        <p:nvSpPr>
+          <p:cNvPr id="52" name="Shape 52"/>
+          <p:cNvSpPr>
+            <a:spLocks noGrp="1" noRot="1" noChangeAspect="1"/>
+          </p:cNvSpPr>
+          <p:nvPr>
+            <p:ph type="sldImg" idx="2"/>
+          </p:nvPr>
+        </p:nvSpPr>
+        <p:spPr>
+          <a:xfrm>
+            <a:off x="1143000" y="685800"/>
+            <a:ext cx="4572000" cy="3429000"/>
+          </a:xfrm>
+          <a:custGeom>
+            <a:avLst/>
+            <a:gdLst/>
+            <a:ahLst/>
+            <a:cxnLst/>
+            <a:rect l="0" t="0" r="0" b="0"/>
+            <a:pathLst>
+              <a:path w="120000" h="120000" extrusionOk="0">
+                <a:moveTo>
+                  <a:pt x="0" y="0"/>
+                </a:moveTo>
+                <a:lnTo>
+                  <a:pt x="120000" y="0"/>
+                </a:lnTo>
+                <a:lnTo>
+                  <a:pt x="120000" y="120000"/>
+                </a:lnTo>
+                <a:lnTo>
+                  <a:pt x="0" y="120000"/>
+                </a:lnTo>
+                <a:close/>
+              </a:path>
+            </a:pathLst>
+          </a:custGeom>
+        </p:spPr>
+      </p:sp>
+      <p:sp>
+        <p:nvSpPr>
+          <p:cNvPr id="53" name="Shape 53"/>
+          <p:cNvSpPr txBox="1">
+            <a:spLocks noGrp="1"/>
+          </p:cNvSpPr>
+          <p:nvPr>
+            <p:ph type="body" idx="1"/>
+          </p:nvPr>
+        </p:nvSpPr>
+        <p:spPr>
+          <a:xfrm>
+            <a:off x="685800" y="4343400"/>
+            <a:ext cx="5486399" cy="4114800"/>
+          </a:xfrm>
+          <a:prstGeom prst="rect">
+            <a:avLst/>
+          </a:prstGeom>
+        </p:spPr>
+        <p:txBody>
+          <a:bodyPr lIns="91425" tIns="91425" rIns="91425" bIns="91425" anchor="t" anchorCtr="0">
+            <a:noAutofit/>
+          </a:bodyPr>
+          <a:lstStyle/>
+          <a:p>
+            <a:pPr lvl="0" rtl="0">
+              <a:spcBef>
+                <a:spcPts val="0"/>
+              </a:spcBef>
+              <a:buNone/>
+            </a:pPr>
+            <a:endParaRPr dirty="0"/>
+          </a:p>
+        </p:txBody>
+      </p:sp>
+    </p:spTree>
+    <p:extLst>
+      <p:ext uri="{BB962C8B-B14F-4D97-AF65-F5344CB8AC3E}">
+        <p14:creationId xmlns:p14="http://schemas.microsoft.com/office/powerpoint/2010/main" val="171026912"/>
+      </p:ext>
+    </p:extLst>
+  </p:cSld>
+  <p:clrMapOvr>
+    <a:masterClrMapping/>
+  </p:clrMapOvr>
+</p:notes>
+</file>
+
+<file path=ppt/notesSlides/notesSlide11.xml><?xml version="1.0" encoding="utf-8"?>
+<p:notes xmlns:a="http://schemas.openxmlformats.org/drawingml/2006/main" xmlns:r="http://schemas.openxmlformats.org/officeDocument/2006/relationships" xmlns:p="http://schemas.openxmlformats.org/presentationml/2006/main" showMasterSp="0" showMasterPhAnim="0">
+  <p:cSld>
+    <p:spTree>
+      <p:nvGrpSpPr>
+        <p:cNvPr id="1" name="Shape 51"/>
+        <p:cNvGrpSpPr/>
+        <p:nvPr/>
+      </p:nvGrpSpPr>
+      <p:grpSpPr>
+        <a:xfrm>
+          <a:off x="0" y="0"/>
+          <a:ext cx="0" cy="0"/>
+          <a:chOff x="0" y="0"/>
+          <a:chExt cx="0" cy="0"/>
+        </a:xfrm>
+      </p:grpSpPr>
+      <p:sp>
+        <p:nvSpPr>
+          <p:cNvPr id="52" name="Shape 52"/>
+          <p:cNvSpPr>
+            <a:spLocks noGrp="1" noRot="1" noChangeAspect="1"/>
+          </p:cNvSpPr>
+          <p:nvPr>
+            <p:ph type="sldImg" idx="2"/>
+          </p:nvPr>
+        </p:nvSpPr>
+        <p:spPr>
+          <a:xfrm>
+            <a:off x="1143000" y="685800"/>
+            <a:ext cx="4572000" cy="3429000"/>
+          </a:xfrm>
+          <a:custGeom>
+            <a:avLst/>
+            <a:gdLst/>
+            <a:ahLst/>
+            <a:cxnLst/>
+            <a:rect l="0" t="0" r="0" b="0"/>
+            <a:pathLst>
+              <a:path w="120000" h="120000" extrusionOk="0">
+                <a:moveTo>
+                  <a:pt x="0" y="0"/>
+                </a:moveTo>
+                <a:lnTo>
+                  <a:pt x="120000" y="0"/>
+                </a:lnTo>
+                <a:lnTo>
+                  <a:pt x="120000" y="120000"/>
+                </a:lnTo>
+                <a:lnTo>
+                  <a:pt x="0" y="120000"/>
+                </a:lnTo>
+                <a:close/>
+              </a:path>
+            </a:pathLst>
+          </a:custGeom>
+        </p:spPr>
+      </p:sp>
+      <p:sp>
+        <p:nvSpPr>
+          <p:cNvPr id="53" name="Shape 53"/>
+          <p:cNvSpPr txBox="1">
+            <a:spLocks noGrp="1"/>
+          </p:cNvSpPr>
+          <p:nvPr>
+            <p:ph type="body" idx="1"/>
+          </p:nvPr>
+        </p:nvSpPr>
+        <p:spPr>
+          <a:xfrm>
+            <a:off x="685800" y="4343400"/>
+            <a:ext cx="5486399" cy="4114800"/>
+          </a:xfrm>
+          <a:prstGeom prst="rect">
+            <a:avLst/>
+          </a:prstGeom>
+        </p:spPr>
+        <p:txBody>
+          <a:bodyPr lIns="91425" tIns="91425" rIns="91425" bIns="91425" anchor="t" anchorCtr="0">
+            <a:noAutofit/>
+          </a:bodyPr>
+          <a:lstStyle/>
+          <a:p>
+            <a:pPr lvl="0" rtl="0">
+              <a:spcBef>
+                <a:spcPts val="0"/>
+              </a:spcBef>
+              <a:buNone/>
+            </a:pPr>
+            <a:endParaRPr dirty="0"/>
+          </a:p>
+        </p:txBody>
+      </p:sp>
+    </p:spTree>
+    <p:extLst>
+      <p:ext uri="{BB962C8B-B14F-4D97-AF65-F5344CB8AC3E}">
+        <p14:creationId xmlns:p14="http://schemas.microsoft.com/office/powerpoint/2010/main" val="1428142359"/>
+      </p:ext>
+    </p:extLst>
+  </p:cSld>
+  <p:clrMapOvr>
+    <a:masterClrMapping/>
+  </p:clrMapOvr>
+</p:notes>
+</file>
+
 <file path=ppt/notesSlides/notesSlide2.xml><?xml version="1.0" encoding="utf-8"?>
 <p:notes xmlns:a="http://schemas.openxmlformats.org/drawingml/2006/main" xmlns:r="http://schemas.openxmlformats.org/officeDocument/2006/relationships" xmlns:p="http://schemas.openxmlformats.org/presentationml/2006/main" showMasterSp="0" showMasterPhAnim="0">
   <p:cSld>
@@ -1325,7 +1539,7 @@
     </p:spTree>
     <p:extLst>
       <p:ext uri="{BB962C8B-B14F-4D97-AF65-F5344CB8AC3E}">
-        <p14:creationId xmlns:p14="http://schemas.microsoft.com/office/powerpoint/2010/main" val="171026912"/>
+        <p14:creationId xmlns:p14="http://schemas.microsoft.com/office/powerpoint/2010/main" val="1003394469"/>
       </p:ext>
     </p:extLst>
   </p:cSld>
@@ -1431,7 +1645,7 @@
     </p:spTree>
     <p:extLst>
       <p:ext uri="{BB962C8B-B14F-4D97-AF65-F5344CB8AC3E}">
-        <p14:creationId xmlns:p14="http://schemas.microsoft.com/office/powerpoint/2010/main" val="1428142359"/>
+        <p14:creationId xmlns:p14="http://schemas.microsoft.com/office/powerpoint/2010/main" val="89395345"/>
       </p:ext>
     </p:extLst>
   </p:cSld>
@@ -6878,6 +7092,928 @@
         </p:txBody>
       </p:sp>
     </p:spTree>
+  </p:cSld>
+  <p:clrMapOvr>
+    <a:masterClrMapping/>
+  </p:clrMapOvr>
+</p:sld>
+</file>
+
+<file path=ppt/slides/slide10.xml><?xml version="1.0" encoding="utf-8"?>
+<p:sld xmlns:a="http://schemas.openxmlformats.org/drawingml/2006/main" xmlns:r="http://schemas.openxmlformats.org/officeDocument/2006/relationships" xmlns:p="http://schemas.openxmlformats.org/presentationml/2006/main">
+  <p:cSld>
+    <p:spTree>
+      <p:nvGrpSpPr>
+        <p:cNvPr id="1" name="Shape 54"/>
+        <p:cNvGrpSpPr/>
+        <p:nvPr/>
+      </p:nvGrpSpPr>
+      <p:grpSpPr>
+        <a:xfrm>
+          <a:off x="0" y="0"/>
+          <a:ext cx="0" cy="0"/>
+          <a:chOff x="0" y="0"/>
+          <a:chExt cx="0" cy="0"/>
+        </a:xfrm>
+      </p:grpSpPr>
+      <p:sp>
+        <p:nvSpPr>
+          <p:cNvPr id="55" name="Shape 55"/>
+          <p:cNvSpPr txBox="1">
+            <a:spLocks noGrp="1"/>
+          </p:cNvSpPr>
+          <p:nvPr>
+            <p:ph type="title"/>
+          </p:nvPr>
+        </p:nvSpPr>
+        <p:spPr>
+          <a:xfrm>
+            <a:off x="837450" y="131950"/>
+            <a:ext cx="8136900" cy="498599"/>
+          </a:xfrm>
+          <a:prstGeom prst="rect">
+            <a:avLst/>
+          </a:prstGeom>
+        </p:spPr>
+        <p:txBody>
+          <a:bodyPr lIns="91425" tIns="91425" rIns="91425" bIns="91425" anchor="b" anchorCtr="0">
+            <a:noAutofit/>
+          </a:bodyPr>
+          <a:lstStyle/>
+          <a:p>
+            <a:pPr lvl="0"/>
+            <a:r>
+              <a:rPr lang="it-IT" sz="3000" dirty="0" err="1">
+                <a:solidFill>
+                  <a:srgbClr val="003366"/>
+                </a:solidFill>
+              </a:rPr>
+              <a:t>Examples</a:t>
+            </a:r>
+            <a:endParaRPr sz="3000" dirty="0">
+              <a:solidFill>
+                <a:srgbClr val="003366"/>
+              </a:solidFill>
+            </a:endParaRPr>
+          </a:p>
+        </p:txBody>
+      </p:sp>
+      <p:pic>
+        <p:nvPicPr>
+          <p:cNvPr id="57" name="Shape 57"/>
+          <p:cNvPicPr preferRelativeResize="0"/>
+          <p:nvPr/>
+        </p:nvPicPr>
+        <p:blipFill>
+          <a:blip r:embed="rId3">
+            <a:alphaModFix/>
+          </a:blip>
+          <a:stretch>
+            <a:fillRect/>
+          </a:stretch>
+        </p:blipFill>
+        <p:spPr>
+          <a:xfrm>
+            <a:off x="82450" y="65950"/>
+            <a:ext cx="464900" cy="498650"/>
+          </a:xfrm>
+          <a:prstGeom prst="rect">
+            <a:avLst/>
+          </a:prstGeom>
+          <a:noFill/>
+          <a:ln>
+            <a:noFill/>
+          </a:ln>
+        </p:spPr>
+      </p:pic>
+      <p:pic>
+        <p:nvPicPr>
+          <p:cNvPr id="58" name="Shape 58"/>
+          <p:cNvPicPr preferRelativeResize="0"/>
+          <p:nvPr/>
+        </p:nvPicPr>
+        <p:blipFill>
+          <a:blip r:embed="rId4">
+            <a:alphaModFix/>
+          </a:blip>
+          <a:stretch>
+            <a:fillRect/>
+          </a:stretch>
+        </p:blipFill>
+        <p:spPr>
+          <a:xfrm>
+            <a:off x="0" y="630539"/>
+            <a:ext cx="9143998" cy="97471"/>
+          </a:xfrm>
+          <a:prstGeom prst="rect">
+            <a:avLst/>
+          </a:prstGeom>
+          <a:noFill/>
+          <a:ln>
+            <a:noFill/>
+          </a:ln>
+        </p:spPr>
+      </p:pic>
+      <p:cxnSp>
+        <p:nvCxnSpPr>
+          <p:cNvPr id="59" name="Shape 59"/>
+          <p:cNvCxnSpPr/>
+          <p:nvPr/>
+        </p:nvCxnSpPr>
+        <p:spPr>
+          <a:xfrm rot="10800000">
+            <a:off x="691550" y="125"/>
+            <a:ext cx="0" cy="630299"/>
+          </a:xfrm>
+          <a:prstGeom prst="straightConnector1">
+            <a:avLst/>
+          </a:prstGeom>
+          <a:noFill/>
+          <a:ln w="9525" cap="flat" cmpd="sng">
+            <a:solidFill>
+              <a:srgbClr val="003366"/>
+            </a:solidFill>
+            <a:prstDash val="solid"/>
+            <a:round/>
+            <a:headEnd type="none" w="lg" len="lg"/>
+            <a:tailEnd type="none" w="lg" len="lg"/>
+          </a:ln>
+        </p:spPr>
+      </p:cxnSp>
+      <p:sp>
+        <p:nvSpPr>
+          <p:cNvPr id="60" name="Shape 60"/>
+          <p:cNvSpPr txBox="1"/>
+          <p:nvPr/>
+        </p:nvSpPr>
+        <p:spPr>
+          <a:xfrm>
+            <a:off x="6783700" y="6531000"/>
+            <a:ext cx="2599200" cy="363899"/>
+          </a:xfrm>
+          <a:prstGeom prst="rect">
+            <a:avLst/>
+          </a:prstGeom>
+          <a:noFill/>
+          <a:ln>
+            <a:noFill/>
+          </a:ln>
+        </p:spPr>
+        <p:txBody>
+          <a:bodyPr lIns="91425" tIns="91425" rIns="91425" bIns="91425" anchor="t" anchorCtr="0">
+            <a:noAutofit/>
+          </a:bodyPr>
+          <a:lstStyle/>
+          <a:p>
+            <a:pPr lvl="0" rtl="0">
+              <a:spcBef>
+                <a:spcPts val="0"/>
+              </a:spcBef>
+              <a:buNone/>
+            </a:pPr>
+            <a:r>
+              <a:rPr lang="it" sz="1200" b="1">
+                <a:solidFill>
+                  <a:srgbClr val="FFFFFF"/>
+                </a:solidFill>
+              </a:rPr>
+              <a:t>POLITECNICO DI MILANO</a:t>
+            </a:r>
+          </a:p>
+        </p:txBody>
+      </p:sp>
+      <p:pic>
+        <p:nvPicPr>
+          <p:cNvPr id="61" name="Shape 61"/>
+          <p:cNvPicPr preferRelativeResize="0"/>
+          <p:nvPr/>
+        </p:nvPicPr>
+        <p:blipFill>
+          <a:blip r:embed="rId5">
+            <a:alphaModFix/>
+          </a:blip>
+          <a:stretch>
+            <a:fillRect/>
+          </a:stretch>
+        </p:blipFill>
+        <p:spPr>
+          <a:xfrm>
+            <a:off x="0" y="6571225"/>
+            <a:ext cx="9144000" cy="286775"/>
+          </a:xfrm>
+          <a:prstGeom prst="rect">
+            <a:avLst/>
+          </a:prstGeom>
+          <a:noFill/>
+          <a:ln>
+            <a:noFill/>
+          </a:ln>
+        </p:spPr>
+      </p:pic>
+      <p:sp>
+        <p:nvSpPr>
+          <p:cNvPr id="62" name="Shape 62"/>
+          <p:cNvSpPr txBox="1">
+            <a:spLocks noGrp="1"/>
+          </p:cNvSpPr>
+          <p:nvPr>
+            <p:ph type="ctrTitle" idx="4294967295"/>
+          </p:nvPr>
+        </p:nvSpPr>
+        <p:spPr>
+          <a:xfrm>
+            <a:off x="1" y="6531000"/>
+            <a:ext cx="5435224" cy="424199"/>
+          </a:xfrm>
+          <a:prstGeom prst="rect">
+            <a:avLst/>
+          </a:prstGeom>
+        </p:spPr>
+        <p:txBody>
+          <a:bodyPr lIns="91425" tIns="91425" rIns="91425" bIns="91425" anchor="ctr" anchorCtr="0">
+            <a:noAutofit/>
+          </a:bodyPr>
+          <a:lstStyle/>
+          <a:p>
+            <a:pPr indent="457200">
+              <a:lnSpc>
+                <a:spcPct val="115000"/>
+              </a:lnSpc>
+            </a:pPr>
+            <a:r>
+              <a:rPr lang="it-IT" sz="1300" dirty="0">
+                <a:solidFill>
+                  <a:srgbClr val="003366"/>
+                </a:solidFill>
+              </a:rPr>
+              <a:t>S. Ripamonti, L. </a:t>
+            </a:r>
+            <a:r>
+              <a:rPr lang="it-IT" sz="1300" dirty="0" err="1">
+                <a:solidFill>
+                  <a:srgbClr val="003366"/>
+                </a:solidFill>
+              </a:rPr>
+              <a:t>Stornaiuolo</a:t>
+            </a:r>
+            <a:r>
+              <a:rPr lang="it-IT" sz="1300" dirty="0">
+                <a:solidFill>
+                  <a:srgbClr val="003366"/>
+                </a:solidFill>
+              </a:rPr>
+              <a:t>, R. </a:t>
+            </a:r>
+            <a:r>
+              <a:rPr lang="it-IT" sz="1300" dirty="0" err="1">
+                <a:solidFill>
+                  <a:srgbClr val="003366"/>
+                </a:solidFill>
+              </a:rPr>
+              <a:t>Pressiani</a:t>
+            </a:r>
+            <a:endParaRPr sz="1300" dirty="0">
+              <a:solidFill>
+                <a:srgbClr val="003366"/>
+              </a:solidFill>
+            </a:endParaRPr>
+          </a:p>
+        </p:txBody>
+      </p:sp>
+      <p:pic>
+        <p:nvPicPr>
+          <p:cNvPr id="4" name="Immagine 3">
+            <a:extLst>
+              <a:ext uri="{FF2B5EF4-FFF2-40B4-BE49-F238E27FC236}">
+                <a16:creationId xmlns:a16="http://schemas.microsoft.com/office/drawing/2014/main" id="{537A61CB-3B2F-48D3-BA49-6D278F7034C0}"/>
+              </a:ext>
+            </a:extLst>
+          </p:cNvPr>
+          <p:cNvPicPr>
+            <a:picLocks noChangeAspect="1"/>
+          </p:cNvPicPr>
+          <p:nvPr/>
+        </p:nvPicPr>
+        <p:blipFill>
+          <a:blip r:embed="rId6"/>
+          <a:stretch>
+            <a:fillRect/>
+          </a:stretch>
+        </p:blipFill>
+        <p:spPr>
+          <a:xfrm>
+            <a:off x="82450" y="1409930"/>
+            <a:ext cx="4402034" cy="2121701"/>
+          </a:xfrm>
+          <a:prstGeom prst="rect">
+            <a:avLst/>
+          </a:prstGeom>
+        </p:spPr>
+      </p:pic>
+      <p:pic>
+        <p:nvPicPr>
+          <p:cNvPr id="5" name="Immagine 4">
+            <a:extLst>
+              <a:ext uri="{FF2B5EF4-FFF2-40B4-BE49-F238E27FC236}">
+                <a16:creationId xmlns:a16="http://schemas.microsoft.com/office/drawing/2014/main" id="{164DCD04-6A1D-4729-B038-BB1EA27104F6}"/>
+              </a:ext>
+            </a:extLst>
+          </p:cNvPr>
+          <p:cNvPicPr>
+            <a:picLocks noChangeAspect="1"/>
+          </p:cNvPicPr>
+          <p:nvPr/>
+        </p:nvPicPr>
+        <p:blipFill>
+          <a:blip r:embed="rId7"/>
+          <a:stretch>
+            <a:fillRect/>
+          </a:stretch>
+        </p:blipFill>
+        <p:spPr>
+          <a:xfrm>
+            <a:off x="4734466" y="1359694"/>
+            <a:ext cx="4304732" cy="2289923"/>
+          </a:xfrm>
+          <a:prstGeom prst="rect">
+            <a:avLst/>
+          </a:prstGeom>
+        </p:spPr>
+      </p:pic>
+      <p:pic>
+        <p:nvPicPr>
+          <p:cNvPr id="6" name="Immagine 5">
+            <a:extLst>
+              <a:ext uri="{FF2B5EF4-FFF2-40B4-BE49-F238E27FC236}">
+                <a16:creationId xmlns:a16="http://schemas.microsoft.com/office/drawing/2014/main" id="{0FB29376-AEF5-4604-86DB-7E0E09EEF1ED}"/>
+              </a:ext>
+            </a:extLst>
+          </p:cNvPr>
+          <p:cNvPicPr>
+            <a:picLocks noChangeAspect="1"/>
+          </p:cNvPicPr>
+          <p:nvPr/>
+        </p:nvPicPr>
+        <p:blipFill>
+          <a:blip r:embed="rId8"/>
+          <a:stretch>
+            <a:fillRect/>
+          </a:stretch>
+        </p:blipFill>
+        <p:spPr>
+          <a:xfrm>
+            <a:off x="1953038" y="4225906"/>
+            <a:ext cx="5237922" cy="2207633"/>
+          </a:xfrm>
+          <a:prstGeom prst="rect">
+            <a:avLst/>
+          </a:prstGeom>
+        </p:spPr>
+      </p:pic>
+      <p:sp>
+        <p:nvSpPr>
+          <p:cNvPr id="7" name="CasellaDiTesto 6">
+            <a:extLst>
+              <a:ext uri="{FF2B5EF4-FFF2-40B4-BE49-F238E27FC236}">
+                <a16:creationId xmlns:a16="http://schemas.microsoft.com/office/drawing/2014/main" id="{45FDB168-97A2-4BBD-B03F-5A62AA2007E6}"/>
+              </a:ext>
+            </a:extLst>
+          </p:cNvPr>
+          <p:cNvSpPr txBox="1"/>
+          <p:nvPr/>
+        </p:nvSpPr>
+        <p:spPr>
+          <a:xfrm>
+            <a:off x="1054705" y="812502"/>
+            <a:ext cx="7034587" cy="400110"/>
+          </a:xfrm>
+          <a:prstGeom prst="rect">
+            <a:avLst/>
+          </a:prstGeom>
+          <a:noFill/>
+        </p:spPr>
+        <p:txBody>
+          <a:bodyPr wrap="square" rtlCol="0">
+            <a:spAutoFit/>
+          </a:bodyPr>
+          <a:lstStyle/>
+          <a:p>
+            <a:r>
+              <a:rPr lang="it-IT" sz="2000" dirty="0">
+                <a:solidFill>
+                  <a:srgbClr val="3A536D"/>
+                </a:solidFill>
+              </a:rPr>
+              <a:t>GET: http://localhost:8080/boardgamemanager/rest/games/1</a:t>
+            </a:r>
+          </a:p>
+        </p:txBody>
+      </p:sp>
+      <p:sp>
+        <p:nvSpPr>
+          <p:cNvPr id="8" name="CasellaDiTesto 7">
+            <a:extLst>
+              <a:ext uri="{FF2B5EF4-FFF2-40B4-BE49-F238E27FC236}">
+                <a16:creationId xmlns:a16="http://schemas.microsoft.com/office/drawing/2014/main" id="{F5C4DA00-091E-4C20-B8C1-B354B23B108D}"/>
+              </a:ext>
+            </a:extLst>
+          </p:cNvPr>
+          <p:cNvSpPr txBox="1"/>
+          <p:nvPr/>
+        </p:nvSpPr>
+        <p:spPr>
+          <a:xfrm>
+            <a:off x="6307158" y="3495728"/>
+            <a:ext cx="1418978" cy="307777"/>
+          </a:xfrm>
+          <a:prstGeom prst="rect">
+            <a:avLst/>
+          </a:prstGeom>
+          <a:noFill/>
+        </p:spPr>
+        <p:txBody>
+          <a:bodyPr wrap="none" rtlCol="0">
+            <a:spAutoFit/>
+          </a:bodyPr>
+          <a:lstStyle/>
+          <a:p>
+            <a:r>
+              <a:rPr lang="it-IT" dirty="0" err="1">
+                <a:solidFill>
+                  <a:srgbClr val="3A536D"/>
+                </a:solidFill>
+              </a:rPr>
+              <a:t>application</a:t>
+            </a:r>
+            <a:r>
+              <a:rPr lang="it-IT" dirty="0">
+                <a:solidFill>
+                  <a:srgbClr val="3A536D"/>
+                </a:solidFill>
+              </a:rPr>
+              <a:t>/</a:t>
+            </a:r>
+            <a:r>
+              <a:rPr lang="it-IT" dirty="0" err="1">
+                <a:solidFill>
+                  <a:srgbClr val="3A536D"/>
+                </a:solidFill>
+              </a:rPr>
+              <a:t>json</a:t>
+            </a:r>
+            <a:endParaRPr lang="it-IT" dirty="0">
+              <a:solidFill>
+                <a:srgbClr val="3A536D"/>
+              </a:solidFill>
+            </a:endParaRPr>
+          </a:p>
+        </p:txBody>
+      </p:sp>
+      <p:sp>
+        <p:nvSpPr>
+          <p:cNvPr id="9" name="CasellaDiTesto 8">
+            <a:extLst>
+              <a:ext uri="{FF2B5EF4-FFF2-40B4-BE49-F238E27FC236}">
+                <a16:creationId xmlns:a16="http://schemas.microsoft.com/office/drawing/2014/main" id="{7129B196-82E0-484E-A963-E22E4766E81F}"/>
+              </a:ext>
+            </a:extLst>
+          </p:cNvPr>
+          <p:cNvSpPr txBox="1"/>
+          <p:nvPr/>
+        </p:nvSpPr>
+        <p:spPr>
+          <a:xfrm>
+            <a:off x="1268395" y="3531631"/>
+            <a:ext cx="1369286" cy="307777"/>
+          </a:xfrm>
+          <a:prstGeom prst="rect">
+            <a:avLst/>
+          </a:prstGeom>
+          <a:noFill/>
+        </p:spPr>
+        <p:txBody>
+          <a:bodyPr wrap="none" rtlCol="0">
+            <a:spAutoFit/>
+          </a:bodyPr>
+          <a:lstStyle/>
+          <a:p>
+            <a:r>
+              <a:rPr lang="it-IT" dirty="0" err="1">
+                <a:solidFill>
+                  <a:srgbClr val="3A536D"/>
+                </a:solidFill>
+              </a:rPr>
+              <a:t>application</a:t>
+            </a:r>
+            <a:r>
+              <a:rPr lang="it-IT" dirty="0">
+                <a:solidFill>
+                  <a:srgbClr val="3A536D"/>
+                </a:solidFill>
+              </a:rPr>
+              <a:t>/xml</a:t>
+            </a:r>
+          </a:p>
+        </p:txBody>
+      </p:sp>
+      <p:sp>
+        <p:nvSpPr>
+          <p:cNvPr id="10" name="CasellaDiTesto 9">
+            <a:extLst>
+              <a:ext uri="{FF2B5EF4-FFF2-40B4-BE49-F238E27FC236}">
+                <a16:creationId xmlns:a16="http://schemas.microsoft.com/office/drawing/2014/main" id="{E09E2E73-EF10-4FBA-9A22-E4148435BC41}"/>
+              </a:ext>
+            </a:extLst>
+          </p:cNvPr>
+          <p:cNvSpPr txBox="1"/>
+          <p:nvPr/>
+        </p:nvSpPr>
+        <p:spPr>
+          <a:xfrm>
+            <a:off x="3796747" y="3905774"/>
+            <a:ext cx="861133" cy="307777"/>
+          </a:xfrm>
+          <a:prstGeom prst="rect">
+            <a:avLst/>
+          </a:prstGeom>
+          <a:noFill/>
+        </p:spPr>
+        <p:txBody>
+          <a:bodyPr wrap="none" rtlCol="0">
+            <a:spAutoFit/>
+          </a:bodyPr>
+          <a:lstStyle/>
+          <a:p>
+            <a:r>
+              <a:rPr lang="it-IT" dirty="0">
+                <a:solidFill>
+                  <a:srgbClr val="3A536D"/>
+                </a:solidFill>
+              </a:rPr>
+              <a:t>text/html</a:t>
+            </a:r>
+          </a:p>
+        </p:txBody>
+      </p:sp>
+    </p:spTree>
+    <p:extLst>
+      <p:ext uri="{BB962C8B-B14F-4D97-AF65-F5344CB8AC3E}">
+        <p14:creationId xmlns:p14="http://schemas.microsoft.com/office/powerpoint/2010/main" val="2134057912"/>
+      </p:ext>
+    </p:extLst>
+  </p:cSld>
+  <p:clrMapOvr>
+    <a:masterClrMapping/>
+  </p:clrMapOvr>
+</p:sld>
+</file>
+
+<file path=ppt/slides/slide11.xml><?xml version="1.0" encoding="utf-8"?>
+<p:sld xmlns:a="http://schemas.openxmlformats.org/drawingml/2006/main" xmlns:r="http://schemas.openxmlformats.org/officeDocument/2006/relationships" xmlns:p="http://schemas.openxmlformats.org/presentationml/2006/main">
+  <p:cSld>
+    <p:spTree>
+      <p:nvGrpSpPr>
+        <p:cNvPr id="1" name="Shape 54"/>
+        <p:cNvGrpSpPr/>
+        <p:nvPr/>
+      </p:nvGrpSpPr>
+      <p:grpSpPr>
+        <a:xfrm>
+          <a:off x="0" y="0"/>
+          <a:ext cx="0" cy="0"/>
+          <a:chOff x="0" y="0"/>
+          <a:chExt cx="0" cy="0"/>
+        </a:xfrm>
+      </p:grpSpPr>
+      <p:sp>
+        <p:nvSpPr>
+          <p:cNvPr id="55" name="Shape 55"/>
+          <p:cNvSpPr txBox="1">
+            <a:spLocks noGrp="1"/>
+          </p:cNvSpPr>
+          <p:nvPr>
+            <p:ph type="title"/>
+          </p:nvPr>
+        </p:nvSpPr>
+        <p:spPr>
+          <a:xfrm>
+            <a:off x="837450" y="131950"/>
+            <a:ext cx="8136900" cy="498599"/>
+          </a:xfrm>
+          <a:prstGeom prst="rect">
+            <a:avLst/>
+          </a:prstGeom>
+        </p:spPr>
+        <p:txBody>
+          <a:bodyPr lIns="91425" tIns="91425" rIns="91425" bIns="91425" anchor="b" anchorCtr="0">
+            <a:noAutofit/>
+          </a:bodyPr>
+          <a:lstStyle/>
+          <a:p>
+            <a:pPr lvl="0"/>
+            <a:endParaRPr sz="3000" dirty="0">
+              <a:solidFill>
+                <a:srgbClr val="003366"/>
+              </a:solidFill>
+            </a:endParaRPr>
+          </a:p>
+        </p:txBody>
+      </p:sp>
+      <p:pic>
+        <p:nvPicPr>
+          <p:cNvPr id="57" name="Shape 57"/>
+          <p:cNvPicPr preferRelativeResize="0"/>
+          <p:nvPr/>
+        </p:nvPicPr>
+        <p:blipFill>
+          <a:blip r:embed="rId3">
+            <a:alphaModFix/>
+          </a:blip>
+          <a:stretch>
+            <a:fillRect/>
+          </a:stretch>
+        </p:blipFill>
+        <p:spPr>
+          <a:xfrm>
+            <a:off x="82450" y="65950"/>
+            <a:ext cx="464900" cy="498650"/>
+          </a:xfrm>
+          <a:prstGeom prst="rect">
+            <a:avLst/>
+          </a:prstGeom>
+          <a:noFill/>
+          <a:ln>
+            <a:noFill/>
+          </a:ln>
+        </p:spPr>
+      </p:pic>
+      <p:pic>
+        <p:nvPicPr>
+          <p:cNvPr id="58" name="Shape 58"/>
+          <p:cNvPicPr preferRelativeResize="0"/>
+          <p:nvPr/>
+        </p:nvPicPr>
+        <p:blipFill>
+          <a:blip r:embed="rId4">
+            <a:alphaModFix/>
+          </a:blip>
+          <a:stretch>
+            <a:fillRect/>
+          </a:stretch>
+        </p:blipFill>
+        <p:spPr>
+          <a:xfrm>
+            <a:off x="0" y="630539"/>
+            <a:ext cx="9143998" cy="97471"/>
+          </a:xfrm>
+          <a:prstGeom prst="rect">
+            <a:avLst/>
+          </a:prstGeom>
+          <a:noFill/>
+          <a:ln>
+            <a:noFill/>
+          </a:ln>
+        </p:spPr>
+      </p:pic>
+      <p:cxnSp>
+        <p:nvCxnSpPr>
+          <p:cNvPr id="59" name="Shape 59"/>
+          <p:cNvCxnSpPr/>
+          <p:nvPr/>
+        </p:nvCxnSpPr>
+        <p:spPr>
+          <a:xfrm rot="10800000">
+            <a:off x="691550" y="125"/>
+            <a:ext cx="0" cy="630299"/>
+          </a:xfrm>
+          <a:prstGeom prst="straightConnector1">
+            <a:avLst/>
+          </a:prstGeom>
+          <a:noFill/>
+          <a:ln w="9525" cap="flat" cmpd="sng">
+            <a:solidFill>
+              <a:srgbClr val="003366"/>
+            </a:solidFill>
+            <a:prstDash val="solid"/>
+            <a:round/>
+            <a:headEnd type="none" w="lg" len="lg"/>
+            <a:tailEnd type="none" w="lg" len="lg"/>
+          </a:ln>
+        </p:spPr>
+      </p:cxnSp>
+      <p:sp>
+        <p:nvSpPr>
+          <p:cNvPr id="60" name="Shape 60"/>
+          <p:cNvSpPr txBox="1"/>
+          <p:nvPr/>
+        </p:nvSpPr>
+        <p:spPr>
+          <a:xfrm>
+            <a:off x="6783700" y="6531000"/>
+            <a:ext cx="2599200" cy="363899"/>
+          </a:xfrm>
+          <a:prstGeom prst="rect">
+            <a:avLst/>
+          </a:prstGeom>
+          <a:noFill/>
+          <a:ln>
+            <a:noFill/>
+          </a:ln>
+        </p:spPr>
+        <p:txBody>
+          <a:bodyPr lIns="91425" tIns="91425" rIns="91425" bIns="91425" anchor="t" anchorCtr="0">
+            <a:noAutofit/>
+          </a:bodyPr>
+          <a:lstStyle/>
+          <a:p>
+            <a:pPr lvl="0" rtl="0">
+              <a:spcBef>
+                <a:spcPts val="0"/>
+              </a:spcBef>
+              <a:buNone/>
+            </a:pPr>
+            <a:r>
+              <a:rPr lang="it" sz="1200" b="1">
+                <a:solidFill>
+                  <a:srgbClr val="FFFFFF"/>
+                </a:solidFill>
+              </a:rPr>
+              <a:t>POLITECNICO DI MILANO</a:t>
+            </a:r>
+          </a:p>
+        </p:txBody>
+      </p:sp>
+      <p:pic>
+        <p:nvPicPr>
+          <p:cNvPr id="61" name="Shape 61"/>
+          <p:cNvPicPr preferRelativeResize="0"/>
+          <p:nvPr/>
+        </p:nvPicPr>
+        <p:blipFill>
+          <a:blip r:embed="rId5">
+            <a:alphaModFix/>
+          </a:blip>
+          <a:stretch>
+            <a:fillRect/>
+          </a:stretch>
+        </p:blipFill>
+        <p:spPr>
+          <a:xfrm>
+            <a:off x="0" y="6571225"/>
+            <a:ext cx="9144000" cy="286775"/>
+          </a:xfrm>
+          <a:prstGeom prst="rect">
+            <a:avLst/>
+          </a:prstGeom>
+          <a:noFill/>
+          <a:ln>
+            <a:noFill/>
+          </a:ln>
+        </p:spPr>
+      </p:pic>
+      <p:sp>
+        <p:nvSpPr>
+          <p:cNvPr id="62" name="Shape 62"/>
+          <p:cNvSpPr txBox="1">
+            <a:spLocks noGrp="1"/>
+          </p:cNvSpPr>
+          <p:nvPr>
+            <p:ph type="ctrTitle" idx="4294967295"/>
+          </p:nvPr>
+        </p:nvSpPr>
+        <p:spPr>
+          <a:xfrm>
+            <a:off x="1" y="6531000"/>
+            <a:ext cx="5435224" cy="424199"/>
+          </a:xfrm>
+          <a:prstGeom prst="rect">
+            <a:avLst/>
+          </a:prstGeom>
+        </p:spPr>
+        <p:txBody>
+          <a:bodyPr lIns="91425" tIns="91425" rIns="91425" bIns="91425" anchor="ctr" anchorCtr="0">
+            <a:noAutofit/>
+          </a:bodyPr>
+          <a:lstStyle/>
+          <a:p>
+            <a:pPr indent="457200">
+              <a:lnSpc>
+                <a:spcPct val="115000"/>
+              </a:lnSpc>
+            </a:pPr>
+            <a:r>
+              <a:rPr lang="it-IT" sz="1300" dirty="0">
+                <a:solidFill>
+                  <a:srgbClr val="003366"/>
+                </a:solidFill>
+              </a:rPr>
+              <a:t>S. Ripamonti, L. </a:t>
+            </a:r>
+            <a:r>
+              <a:rPr lang="it-IT" sz="1300" dirty="0" err="1">
+                <a:solidFill>
+                  <a:srgbClr val="003366"/>
+                </a:solidFill>
+              </a:rPr>
+              <a:t>Stornaiuolo</a:t>
+            </a:r>
+            <a:r>
+              <a:rPr lang="it-IT" sz="1300" dirty="0">
+                <a:solidFill>
+                  <a:srgbClr val="003366"/>
+                </a:solidFill>
+              </a:rPr>
+              <a:t>, R. </a:t>
+            </a:r>
+            <a:r>
+              <a:rPr lang="it-IT" sz="1300" dirty="0" err="1">
+                <a:solidFill>
+                  <a:srgbClr val="003366"/>
+                </a:solidFill>
+              </a:rPr>
+              <a:t>Pressiani</a:t>
+            </a:r>
+            <a:endParaRPr sz="1300" dirty="0">
+              <a:solidFill>
+                <a:srgbClr val="003366"/>
+              </a:solidFill>
+            </a:endParaRPr>
+          </a:p>
+        </p:txBody>
+      </p:sp>
+      <p:sp>
+        <p:nvSpPr>
+          <p:cNvPr id="2" name="CasellaDiTesto 1">
+            <a:extLst>
+              <a:ext uri="{FF2B5EF4-FFF2-40B4-BE49-F238E27FC236}">
+                <a16:creationId xmlns:a16="http://schemas.microsoft.com/office/drawing/2014/main" id="{0F87A4DB-738C-41D6-92A8-BE77B0D28792}"/>
+              </a:ext>
+            </a:extLst>
+          </p:cNvPr>
+          <p:cNvSpPr txBox="1"/>
+          <p:nvPr/>
+        </p:nvSpPr>
+        <p:spPr>
+          <a:xfrm>
+            <a:off x="522152" y="2971799"/>
+            <a:ext cx="8099693" cy="830997"/>
+          </a:xfrm>
+          <a:prstGeom prst="rect">
+            <a:avLst/>
+          </a:prstGeom>
+          <a:noFill/>
+        </p:spPr>
+        <p:txBody>
+          <a:bodyPr wrap="square" rtlCol="0">
+            <a:spAutoFit/>
+          </a:bodyPr>
+          <a:lstStyle/>
+          <a:p>
+            <a:pPr algn="ctr"/>
+            <a:r>
+              <a:rPr lang="it-IT" sz="2400" dirty="0">
+                <a:solidFill>
+                  <a:srgbClr val="3A536D"/>
+                </a:solidFill>
+              </a:rPr>
+              <a:t>Code </a:t>
+            </a:r>
+            <a:r>
+              <a:rPr lang="it-IT" sz="2400" dirty="0" err="1">
+                <a:solidFill>
+                  <a:srgbClr val="3A536D"/>
+                </a:solidFill>
+              </a:rPr>
+              <a:t>available</a:t>
+            </a:r>
+            <a:r>
+              <a:rPr lang="it-IT" sz="2400" dirty="0">
+                <a:solidFill>
+                  <a:srgbClr val="3A536D"/>
+                </a:solidFill>
+              </a:rPr>
+              <a:t> on </a:t>
+            </a:r>
+          </a:p>
+          <a:p>
+            <a:pPr algn="ctr"/>
+            <a:r>
+              <a:rPr lang="it-IT" sz="2400" dirty="0">
+                <a:solidFill>
+                  <a:srgbClr val="3A536D"/>
+                </a:solidFill>
+              </a:rPr>
+              <a:t>https://github.com/ripa1993/mw_rest</a:t>
+            </a:r>
+          </a:p>
+        </p:txBody>
+      </p:sp>
+    </p:spTree>
+    <p:extLst>
+      <p:ext uri="{BB962C8B-B14F-4D97-AF65-F5344CB8AC3E}">
+        <p14:creationId xmlns:p14="http://schemas.microsoft.com/office/powerpoint/2010/main" val="2958643530"/>
+      </p:ext>
+    </p:extLst>
   </p:cSld>
   <p:clrMapOvr>
     <a:masterClrMapping/>
@@ -9109,7 +10245,7 @@
                   <a:srgbClr val="3A536D"/>
                 </a:solidFill>
               </a:rPr>
-              <a:t> support media </a:t>
+              <a:t> produce media </a:t>
             </a:r>
             <a:r>
               <a:rPr lang="it-IT" sz="1800" dirty="0" err="1">
@@ -9511,7 +10647,23 @@
                   <a:srgbClr val="3A536D"/>
                 </a:solidFill>
               </a:rPr>
-              <a:t>@GET </a:t>
+              <a:t>@</a:t>
+            </a:r>
+            <a:r>
+              <a:rPr lang="it-IT" sz="1600" b="1" dirty="0">
+                <a:solidFill>
+                  <a:srgbClr val="3A536D"/>
+                </a:solidFill>
+              </a:rPr>
+              <a:t>GET</a:t>
+            </a:r>
+            <a:r>
+              <a:rPr lang="it-IT" sz="1600" dirty="0">
+                <a:solidFill>
+                  <a:srgbClr val="3A536D"/>
+                </a:solidFill>
+              </a:rPr>
+              <a:t> </a:t>
             </a:r>
             <a:r>
               <a:rPr lang="it-IT" sz="1600" dirty="0" err="1">
@@ -10741,7 +11893,23 @@
                   <a:srgbClr val="3A536D"/>
                 </a:solidFill>
               </a:rPr>
-              <a:t>@POST Create a new game, </a:t>
+              <a:t>@</a:t>
+            </a:r>
+            <a:r>
+              <a:rPr lang="it-IT" sz="1600" b="1" dirty="0">
+                <a:solidFill>
+                  <a:srgbClr val="3A536D"/>
+                </a:solidFill>
+              </a:rPr>
+              <a:t>POST</a:t>
+            </a:r>
+            <a:r>
+              <a:rPr lang="it-IT" sz="1600" dirty="0">
+                <a:solidFill>
+                  <a:srgbClr val="3A536D"/>
+                </a:solidFill>
+              </a:rPr>
+              <a:t> Create a new game, </a:t>
             </a:r>
             <a:r>
               <a:rPr lang="it-IT" sz="1600" dirty="0" err="1">
@@ -10760,7 +11928,7 @@
               <a:t> </a:t>
             </a:r>
             <a:r>
-              <a:rPr lang="it-IT" sz="1600" i="1" dirty="0">
+              <a:rPr lang="it-IT" sz="1600" b="1" i="1" dirty="0">
                 <a:solidFill>
                   <a:srgbClr val="3A536D"/>
                 </a:solidFill>
@@ -11637,7 +12805,23 @@
                   <a:srgbClr val="3A536D"/>
                 </a:solidFill>
               </a:rPr>
-              <a:t>@GET </a:t>
+              <a:t>@</a:t>
+            </a:r>
+            <a:r>
+              <a:rPr lang="it-IT" sz="1600" b="1" dirty="0">
+                <a:solidFill>
+                  <a:srgbClr val="3A536D"/>
+                </a:solidFill>
+              </a:rPr>
+              <a:t>GET</a:t>
+            </a:r>
+            <a:r>
+              <a:rPr lang="it-IT" sz="1600" dirty="0">
+                <a:solidFill>
+                  <a:srgbClr val="3A536D"/>
+                </a:solidFill>
+              </a:rPr>
+              <a:t> </a:t>
             </a:r>
             <a:r>
               <a:rPr lang="it-IT" sz="1600" dirty="0" err="1">
@@ -11979,7 +13163,23 @@
                   <a:srgbClr val="3A536D"/>
                 </a:solidFill>
               </a:rPr>
-              <a:t>@POST Create a new play, </a:t>
+              <a:t>@</a:t>
+            </a:r>
+            <a:r>
+              <a:rPr lang="it-IT" sz="1600" b="1" dirty="0">
+                <a:solidFill>
+                  <a:srgbClr val="3A536D"/>
+                </a:solidFill>
+              </a:rPr>
+              <a:t>POST</a:t>
+            </a:r>
+            <a:r>
+              <a:rPr lang="it-IT" sz="1600" dirty="0">
+                <a:solidFill>
+                  <a:srgbClr val="3A536D"/>
+                </a:solidFill>
+              </a:rPr>
+              <a:t> Create a new play, </a:t>
             </a:r>
             <a:r>
               <a:rPr lang="it-IT" sz="1600" dirty="0" err="1">
@@ -11998,7 +13198,7 @@
               <a:t> </a:t>
             </a:r>
             <a:r>
-              <a:rPr lang="it-IT" sz="1600" i="1" dirty="0">
+              <a:rPr lang="it-IT" sz="1600" b="1" i="1" dirty="0">
                 <a:solidFill>
                   <a:srgbClr val="3A536D"/>
                 </a:solidFill>
@@ -12837,7 +14037,23 @@
                   <a:srgbClr val="3A536D"/>
                 </a:solidFill>
               </a:rPr>
-              <a:t>@GET </a:t>
+              <a:t>@</a:t>
+            </a:r>
+            <a:r>
+              <a:rPr lang="it-IT" sz="1600" b="1" dirty="0">
+                <a:solidFill>
+                  <a:srgbClr val="3A536D"/>
+                </a:solidFill>
+              </a:rPr>
+              <a:t>GET</a:t>
+            </a:r>
+            <a:r>
+              <a:rPr lang="it-IT" sz="1600" dirty="0">
+                <a:solidFill>
+                  <a:srgbClr val="3A536D"/>
+                </a:solidFill>
+              </a:rPr>
+              <a:t> </a:t>
             </a:r>
             <a:r>
               <a:rPr lang="it-IT" sz="1600" dirty="0" err="1">
@@ -13581,7 +14797,23 @@
                   <a:srgbClr val="3A536D"/>
                 </a:solidFill>
               </a:rPr>
-              <a:t>@POST Create a new user, </a:t>
+              <a:t>@</a:t>
+            </a:r>
+            <a:r>
+              <a:rPr lang="it-IT" sz="1600" b="1" dirty="0">
+                <a:solidFill>
+                  <a:srgbClr val="3A536D"/>
+                </a:solidFill>
+              </a:rPr>
+              <a:t>POST</a:t>
+            </a:r>
+            <a:r>
+              <a:rPr lang="it-IT" sz="1600" dirty="0">
+                <a:solidFill>
+                  <a:srgbClr val="3A536D"/>
+                </a:solidFill>
+              </a:rPr>
+              <a:t> Create a new user, </a:t>
             </a:r>
             <a:r>
               <a:rPr lang="it-IT" sz="1600" dirty="0" err="1">
@@ -13592,7 +14824,7 @@
               <a:t>using</a:t>
             </a:r>
             <a:r>
-              <a:rPr lang="it-IT" sz="1600" dirty="0">
+              <a:rPr lang="it-IT" sz="1600" b="1" dirty="0">
                 <a:solidFill>
                   <a:srgbClr val="3A536D"/>
                 </a:solidFill>
@@ -13600,7 +14832,7 @@
               <a:t> </a:t>
             </a:r>
             <a:r>
-              <a:rPr lang="it-IT" sz="1600" i="1" dirty="0">
+              <a:rPr lang="it-IT" sz="1600" b="1" i="1" dirty="0">
                 <a:solidFill>
                   <a:srgbClr val="3A536D"/>
                 </a:solidFill>
@@ -14206,8 +15438,53 @@
                   <a:srgbClr val="3A536D"/>
                 </a:solidFill>
               </a:rPr>
-              <a:t>@POST /login</a:t>
-            </a:r>
+              <a:t>@</a:t>
+            </a:r>
+            <a:r>
+              <a:rPr lang="it-IT" sz="1600" b="1" dirty="0">
+                <a:solidFill>
+                  <a:srgbClr val="3A536D"/>
+                </a:solidFill>
+              </a:rPr>
+              <a:t>POST</a:t>
+            </a:r>
+            <a:r>
+              <a:rPr lang="it-IT" sz="1600" dirty="0">
+                <a:solidFill>
+                  <a:srgbClr val="3A536D"/>
+                </a:solidFill>
+              </a:rPr>
+              <a:t> /login, </a:t>
+            </a:r>
+            <a:r>
+              <a:rPr lang="it-IT" sz="1600" dirty="0" err="1">
+                <a:solidFill>
+                  <a:srgbClr val="3A536D"/>
+                </a:solidFill>
+              </a:rPr>
+              <a:t>using</a:t>
+            </a:r>
+            <a:r>
+              <a:rPr lang="it-IT" sz="1600" b="1" dirty="0">
+                <a:solidFill>
+                  <a:srgbClr val="3A536D"/>
+                </a:solidFill>
+              </a:rPr>
+              <a:t> </a:t>
+            </a:r>
+            <a:r>
+              <a:rPr lang="it-IT" sz="1600" b="1" i="1" dirty="0">
+                <a:solidFill>
+                  <a:srgbClr val="3A536D"/>
+                </a:solidFill>
+              </a:rPr>
+              <a:t>APPLICATION FORM URLENCODED</a:t>
+            </a:r>
+            <a:endParaRPr lang="it-IT" sz="1600" dirty="0">
+              <a:solidFill>
+                <a:srgbClr val="3A536D"/>
+              </a:solidFill>
+            </a:endParaRPr>
           </a:p>
           <a:p>
             <a:pPr marL="285750" indent="-285750">
@@ -14407,7 +15684,23 @@
                   <a:srgbClr val="3A536D"/>
                 </a:solidFill>
               </a:rPr>
-              <a:t>@POST /</a:t>
+              <a:t>@</a:t>
+            </a:r>
+            <a:r>
+              <a:rPr lang="it-IT" sz="1600" b="1" dirty="0">
+                <a:solidFill>
+                  <a:srgbClr val="3A536D"/>
+                </a:solidFill>
+              </a:rPr>
+              <a:t>POST</a:t>
+            </a:r>
+            <a:r>
+              <a:rPr lang="it-IT" sz="1600" dirty="0">
+                <a:solidFill>
+                  <a:srgbClr val="3A536D"/>
+                </a:solidFill>
+              </a:rPr>
+              <a:t> /</a:t>
             </a:r>
             <a:r>
               <a:rPr lang="it-IT" sz="1600" dirty="0" err="1">
@@ -14437,7 +15730,23 @@
                   <a:srgbClr val="3A536D"/>
                 </a:solidFill>
               </a:rPr>
-              <a:t>@GET /</a:t>
+              <a:t>@</a:t>
+            </a:r>
+            <a:r>
+              <a:rPr lang="it-IT" sz="1600" b="1" dirty="0">
+                <a:solidFill>
+                  <a:srgbClr val="3A536D"/>
+                </a:solidFill>
+              </a:rPr>
+              <a:t>GET</a:t>
+            </a:r>
+            <a:r>
+              <a:rPr lang="it-IT" sz="1600" dirty="0">
+                <a:solidFill>
+                  <a:srgbClr val="3A536D"/>
+                </a:solidFill>
+              </a:rPr>
+              <a:t> /</a:t>
             </a:r>
             <a:r>
               <a:rPr lang="it-IT" sz="1600" dirty="0" err="1">
@@ -14524,7 +15833,23 @@
                   <a:srgbClr val="3A536D"/>
                 </a:solidFill>
               </a:rPr>
-              <a:t>@GET /</a:t>
+              <a:t>@</a:t>
+            </a:r>
+            <a:r>
+              <a:rPr lang="it-IT" sz="1600" b="1" dirty="0">
+                <a:solidFill>
+                  <a:srgbClr val="3A536D"/>
+                </a:solidFill>
+              </a:rPr>
+              <a:t>GET</a:t>
+            </a:r>
+            <a:r>
+              <a:rPr lang="it-IT" sz="1600" dirty="0">
+                <a:solidFill>
+                  <a:srgbClr val="3A536D"/>
+                </a:solidFill>
+              </a:rPr>
+              <a:t> /</a:t>
             </a:r>
             <a:r>
               <a:rPr lang="it-IT" sz="1600" dirty="0" err="1">
@@ -14644,7 +15969,39 @@
                   <a:srgbClr val="3A536D"/>
                 </a:solidFill>
               </a:rPr>
-              <a:t> image</a:t>
+              <a:t> image (</a:t>
+            </a:r>
+            <a:r>
+              <a:rPr lang="it-IT" dirty="0" err="1">
+                <a:solidFill>
+                  <a:srgbClr val="3A536D"/>
+                </a:solidFill>
+              </a:rPr>
+              <a:t>produces</a:t>
+            </a:r>
+            <a:r>
+              <a:rPr lang="it-IT" dirty="0">
+                <a:solidFill>
+                  <a:srgbClr val="3A536D"/>
+                </a:solidFill>
+              </a:rPr>
+              <a:t>: image/</a:t>
+            </a:r>
+            <a:r>
+              <a:rPr lang="it-IT" dirty="0" err="1">
+                <a:solidFill>
+                  <a:srgbClr val="3A536D"/>
+                </a:solidFill>
+              </a:rPr>
+              <a:t>jpg</a:t>
+            </a:r>
+            <a:r>
+              <a:rPr lang="it-IT" dirty="0">
+                <a:solidFill>
+                  <a:srgbClr val="3A536D"/>
+                </a:solidFill>
+              </a:rPr>
+              <a:t>)</a:t>
             </a:r>
           </a:p>
           <a:p>
@@ -14661,7 +16018,23 @@
                   <a:srgbClr val="3A536D"/>
                 </a:solidFill>
               </a:rPr>
-              <a:t>@GET /users/{id} </a:t>
+              <a:t>@</a:t>
+            </a:r>
+            <a:r>
+              <a:rPr lang="it-IT" sz="1600" b="1" dirty="0">
+                <a:solidFill>
+                  <a:srgbClr val="3A536D"/>
+                </a:solidFill>
+              </a:rPr>
+              <a:t>GET</a:t>
+            </a:r>
+            <a:r>
+              <a:rPr lang="it-IT" sz="1600" dirty="0">
+                <a:solidFill>
+                  <a:srgbClr val="3A536D"/>
+                </a:solidFill>
+              </a:rPr>
+              <a:t> /users/{id} </a:t>
             </a:r>
             <a:r>
               <a:rPr lang="it-IT" dirty="0">
@@ -14740,7 +16113,23 @@
                   <a:srgbClr val="3A536D"/>
                 </a:solidFill>
               </a:rPr>
-              <a:t>@GET /users/</a:t>
+              <a:t>@</a:t>
+            </a:r>
+            <a:r>
+              <a:rPr lang="it-IT" sz="1600" b="1" dirty="0">
+                <a:solidFill>
+                  <a:srgbClr val="3A536D"/>
+                </a:solidFill>
+              </a:rPr>
+              <a:t>GET</a:t>
+            </a:r>
+            <a:r>
+              <a:rPr lang="it-IT" sz="1600" dirty="0">
+                <a:solidFill>
+                  <a:srgbClr val="3A536D"/>
+                </a:solidFill>
+              </a:rPr>
+              <a:t> /users/</a:t>
             </a:r>
             <a:r>
               <a:rPr lang="it-IT" sz="1600" dirty="0" err="1">
@@ -14843,7 +16232,23 @@
                   <a:srgbClr val="3A536D"/>
                 </a:solidFill>
               </a:rPr>
-              <a:t>@GET /users/{id}/</a:t>
+              <a:t>@</a:t>
+            </a:r>
+            <a:r>
+              <a:rPr lang="it-IT" sz="1600" b="1" dirty="0">
+                <a:solidFill>
+                  <a:srgbClr val="3A536D"/>
+                </a:solidFill>
+              </a:rPr>
+              <a:t>GET</a:t>
+            </a:r>
+            <a:r>
+              <a:rPr lang="it-IT" sz="1600" dirty="0">
+                <a:solidFill>
+                  <a:srgbClr val="3A536D"/>
+                </a:solidFill>
+              </a:rPr>
+              <a:t> /users/{id}/</a:t>
             </a:r>
             <a:r>
               <a:rPr lang="it-IT" sz="1600" dirty="0" err="1">
@@ -14977,7 +16382,23 @@
                   <a:srgbClr val="3A536D"/>
                 </a:solidFill>
               </a:rPr>
-              <a:t>@GET /</a:t>
+              <a:t>@</a:t>
+            </a:r>
+            <a:r>
+              <a:rPr lang="it-IT" sz="1600" b="1" dirty="0">
+                <a:solidFill>
+                  <a:srgbClr val="3A536D"/>
+                </a:solidFill>
+              </a:rPr>
+              <a:t>GET</a:t>
+            </a:r>
+            <a:r>
+              <a:rPr lang="it-IT" sz="1600" dirty="0">
+                <a:solidFill>
+                  <a:srgbClr val="3A536D"/>
+                </a:solidFill>
+              </a:rPr>
+              <a:t> /</a:t>
             </a:r>
             <a:r>
               <a:rPr lang="it-IT" sz="1600" dirty="0" err="1">
@@ -15072,7 +16493,23 @@
                   <a:srgbClr val="3A536D"/>
                 </a:solidFill>
               </a:rPr>
-              <a:t>@GET /</a:t>
+              <a:t>@</a:t>
+            </a:r>
+            <a:r>
+              <a:rPr lang="it-IT" sz="1600" b="1" dirty="0">
+                <a:solidFill>
+                  <a:srgbClr val="3A536D"/>
+                </a:solidFill>
+              </a:rPr>
+              <a:t>GET</a:t>
+            </a:r>
+            <a:r>
+              <a:rPr lang="it-IT" sz="1600" dirty="0">
+                <a:solidFill>
+                  <a:srgbClr val="3A536D"/>
+                </a:solidFill>
+              </a:rPr>
+              <a:t> /</a:t>
             </a:r>
             <a:r>
               <a:rPr lang="it-IT" sz="1600" dirty="0" err="1">
@@ -15214,7 +16651,23 @@
                   <a:srgbClr val="3A536D"/>
                 </a:solidFill>
               </a:rPr>
-              <a:t>@GET /games/{id} </a:t>
+              <a:t>@</a:t>
+            </a:r>
+            <a:r>
+              <a:rPr lang="it-IT" sz="1600" b="1" dirty="0">
+                <a:solidFill>
+                  <a:srgbClr val="3A536D"/>
+                </a:solidFill>
+              </a:rPr>
+              <a:t>GET</a:t>
+            </a:r>
+            <a:r>
+              <a:rPr lang="it-IT" sz="1600" dirty="0">
+                <a:solidFill>
+                  <a:srgbClr val="3A536D"/>
+                </a:solidFill>
+              </a:rPr>
+              <a:t> /games/{id} </a:t>
             </a:r>
             <a:r>
               <a:rPr lang="it-IT" dirty="0">
@@ -15293,7 +16746,23 @@
                   <a:srgbClr val="3A536D"/>
                 </a:solidFill>
               </a:rPr>
-              <a:t>@GET /games/</a:t>
+              <a:t>@</a:t>
+            </a:r>
+            <a:r>
+              <a:rPr lang="it-IT" sz="1600" b="1" dirty="0">
+                <a:solidFill>
+                  <a:srgbClr val="3A536D"/>
+                </a:solidFill>
+              </a:rPr>
+              <a:t>GET</a:t>
+            </a:r>
+            <a:r>
+              <a:rPr lang="it-IT" sz="1600" dirty="0">
+                <a:solidFill>
+                  <a:srgbClr val="3A536D"/>
+                </a:solidFill>
+              </a:rPr>
+              <a:t> /games/</a:t>
             </a:r>
             <a:r>
               <a:rPr lang="it-IT" sz="1600" dirty="0" err="1">
@@ -15448,12 +16917,20 @@
           <a:p>
             <a:pPr lvl="0"/>
             <a:r>
+              <a:rPr lang="it-IT" sz="3000" dirty="0">
+                <a:solidFill>
+                  <a:srgbClr val="003366"/>
+                </a:solidFill>
+              </a:rPr>
+              <a:t>Package </a:t>
+            </a:r>
+            <a:r>
               <a:rPr lang="it-IT" sz="3000" dirty="0" err="1">
                 <a:solidFill>
                   <a:srgbClr val="003366"/>
                 </a:solidFill>
               </a:rPr>
-              <a:t>Examples</a:t>
+              <a:t>Structure</a:t>
             </a:r>
             <a:endParaRPr sz="3000" dirty="0">
               <a:solidFill>
@@ -15687,10 +17164,10 @@
       </p:sp>
       <p:pic>
         <p:nvPicPr>
-          <p:cNvPr id="4" name="Immagine 3">
+          <p:cNvPr id="2" name="Immagine 1">
             <a:extLst>
               <a:ext uri="{FF2B5EF4-FFF2-40B4-BE49-F238E27FC236}">
-                <a16:creationId xmlns:a16="http://schemas.microsoft.com/office/drawing/2014/main" id="{537A61CB-3B2F-48D3-BA49-6D278F7034C0}"/>
+                <a16:creationId xmlns:a16="http://schemas.microsoft.com/office/drawing/2014/main" id="{FE450D0D-2DB5-4888-A285-90397B677C27}"/>
               </a:ext>
             </a:extLst>
           </p:cNvPr>
@@ -15707,8 +17184,8 @@
         </p:blipFill>
         <p:spPr>
           <a:xfrm>
-            <a:off x="82450" y="1409930"/>
-            <a:ext cx="4402034" cy="2121701"/>
+            <a:off x="314900" y="865770"/>
+            <a:ext cx="3009900" cy="5200650"/>
           </a:xfrm>
           <a:prstGeom prst="rect">
             <a:avLst/>
@@ -15717,10 +17194,10 @@
       </p:pic>
       <p:pic>
         <p:nvPicPr>
-          <p:cNvPr id="5" name="Immagine 4">
+          <p:cNvPr id="3" name="Immagine 2">
             <a:extLst>
               <a:ext uri="{FF2B5EF4-FFF2-40B4-BE49-F238E27FC236}">
-                <a16:creationId xmlns:a16="http://schemas.microsoft.com/office/drawing/2014/main" id="{164DCD04-6A1D-4729-B038-BB1EA27104F6}"/>
+                <a16:creationId xmlns:a16="http://schemas.microsoft.com/office/drawing/2014/main" id="{A708B030-354D-40DC-94BB-89D7F6FDCF0E}"/>
               </a:ext>
             </a:extLst>
           </p:cNvPr>
@@ -15737,38 +17214,8 @@
         </p:blipFill>
         <p:spPr>
           <a:xfrm>
-            <a:off x="4734466" y="1359694"/>
-            <a:ext cx="4304732" cy="2289923"/>
-          </a:xfrm>
-          <a:prstGeom prst="rect">
-            <a:avLst/>
-          </a:prstGeom>
-        </p:spPr>
-      </p:pic>
-      <p:pic>
-        <p:nvPicPr>
-          <p:cNvPr id="6" name="Immagine 5">
-            <a:extLst>
-              <a:ext uri="{FF2B5EF4-FFF2-40B4-BE49-F238E27FC236}">
-                <a16:creationId xmlns:a16="http://schemas.microsoft.com/office/drawing/2014/main" id="{0FB29376-AEF5-4604-86DB-7E0E09EEF1ED}"/>
-              </a:ext>
-            </a:extLst>
-          </p:cNvPr>
-          <p:cNvPicPr>
-            <a:picLocks noChangeAspect="1"/>
-          </p:cNvPicPr>
-          <p:nvPr/>
-        </p:nvPicPr>
-        <p:blipFill>
-          <a:blip r:embed="rId8"/>
-          <a:stretch>
-            <a:fillRect/>
-          </a:stretch>
-        </p:blipFill>
-        <p:spPr>
-          <a:xfrm>
-            <a:off x="1953038" y="4225906"/>
-            <a:ext cx="5237922" cy="2207633"/>
+            <a:off x="5435225" y="1129138"/>
+            <a:ext cx="1857375" cy="3438525"/>
           </a:xfrm>
           <a:prstGeom prst="rect">
             <a:avLst/>
@@ -15777,10 +17224,10 @@
       </p:pic>
       <p:sp>
         <p:nvSpPr>
-          <p:cNvPr id="7" name="CasellaDiTesto 6">
+          <p:cNvPr id="11" name="CasellaDiTesto 10">
             <a:extLst>
               <a:ext uri="{FF2B5EF4-FFF2-40B4-BE49-F238E27FC236}">
-                <a16:creationId xmlns:a16="http://schemas.microsoft.com/office/drawing/2014/main" id="{45FDB168-97A2-4BBD-B03F-5A62AA2007E6}"/>
+                <a16:creationId xmlns:a16="http://schemas.microsoft.com/office/drawing/2014/main" id="{35764729-A52D-4746-89D4-16249A0F9F41}"/>
               </a:ext>
             </a:extLst>
           </p:cNvPr>
@@ -15789,47 +17236,8 @@
         </p:nvSpPr>
         <p:spPr>
           <a:xfrm>
-            <a:off x="1054705" y="812502"/>
-            <a:ext cx="7034587" cy="400110"/>
-          </a:xfrm>
-          <a:prstGeom prst="rect">
-            <a:avLst/>
-          </a:prstGeom>
-          <a:noFill/>
-        </p:spPr>
-        <p:txBody>
-          <a:bodyPr wrap="square" rtlCol="0">
-            <a:spAutoFit/>
-          </a:bodyPr>
-          <a:lstStyle/>
-          <a:p>
-            <a:r>
-              <a:rPr lang="it-IT" sz="2000" dirty="0">
-                <a:solidFill>
-                  <a:srgbClr val="3A536D"/>
-                </a:solidFill>
-              </a:rPr>
-              <a:t>GET: http://localhost:8080/boardgamemanager/rest/games/1</a:t>
-            </a:r>
-          </a:p>
-        </p:txBody>
-      </p:sp>
-      <p:sp>
-        <p:nvSpPr>
-          <p:cNvPr id="8" name="CasellaDiTesto 7">
-            <a:extLst>
-              <a:ext uri="{FF2B5EF4-FFF2-40B4-BE49-F238E27FC236}">
-                <a16:creationId xmlns:a16="http://schemas.microsoft.com/office/drawing/2014/main" id="{F5C4DA00-091E-4C20-B8C1-B354B23B108D}"/>
-              </a:ext>
-            </a:extLst>
-          </p:cNvPr>
-          <p:cNvSpPr txBox="1"/>
-          <p:nvPr/>
-        </p:nvSpPr>
-        <p:spPr>
-          <a:xfrm>
-            <a:off x="6307158" y="3495728"/>
-            <a:ext cx="1418978" cy="307777"/>
+            <a:off x="691549" y="6127381"/>
+            <a:ext cx="1210588" cy="307777"/>
           </a:xfrm>
           <a:prstGeom prst="rect">
             <a:avLst/>
@@ -15843,43 +17251,18 @@
           <a:lstStyle/>
           <a:p>
             <a:r>
-              <a:rPr lang="it-IT" dirty="0" err="1">
-                <a:solidFill>
-                  <a:srgbClr val="3A536D"/>
-                </a:solidFill>
-              </a:rPr>
-              <a:t>application</a:t>
-            </a:r>
-            <a:r>
-              <a:rPr lang="it-IT" dirty="0">
-                <a:solidFill>
-                  <a:srgbClr val="3A536D"/>
-                </a:solidFill>
-              </a:rPr>
-              <a:t>/</a:t>
-            </a:r>
-            <a:r>
-              <a:rPr lang="it-IT" dirty="0" err="1">
-                <a:solidFill>
-                  <a:srgbClr val="3A536D"/>
-                </a:solidFill>
-              </a:rPr>
-              <a:t>json</a:t>
-            </a:r>
-            <a:endParaRPr lang="it-IT" dirty="0">
-              <a:solidFill>
-                <a:srgbClr val="3A536D"/>
-              </a:solidFill>
-            </a:endParaRPr>
+              <a:rPr lang="en-US" dirty="0"/>
+              <a:t>Java classes</a:t>
+            </a:r>
           </a:p>
         </p:txBody>
       </p:sp>
       <p:sp>
         <p:nvSpPr>
-          <p:cNvPr id="9" name="CasellaDiTesto 8">
+          <p:cNvPr id="12" name="CasellaDiTesto 11">
             <a:extLst>
               <a:ext uri="{FF2B5EF4-FFF2-40B4-BE49-F238E27FC236}">
-                <a16:creationId xmlns:a16="http://schemas.microsoft.com/office/drawing/2014/main" id="{7129B196-82E0-484E-A963-E22E4766E81F}"/>
+                <a16:creationId xmlns:a16="http://schemas.microsoft.com/office/drawing/2014/main" id="{E9EE1049-92C0-46A1-9ED6-09933E9A04BA}"/>
               </a:ext>
             </a:extLst>
           </p:cNvPr>
@@ -15888,8 +17271,8 @@
         </p:nvSpPr>
         <p:spPr>
           <a:xfrm>
-            <a:off x="1268395" y="3531631"/>
-            <a:ext cx="1369286" cy="307777"/>
+            <a:off x="5435225" y="4724466"/>
+            <a:ext cx="2016899" cy="307777"/>
           </a:xfrm>
           <a:prstGeom prst="rect">
             <a:avLst/>
@@ -15903,59 +17286,12 @@
           <a:lstStyle/>
           <a:p>
             <a:r>
-              <a:rPr lang="it-IT" dirty="0" err="1">
-                <a:solidFill>
-                  <a:srgbClr val="3A536D"/>
-                </a:solidFill>
-              </a:rPr>
-              <a:t>application</a:t>
-            </a:r>
-            <a:r>
-              <a:rPr lang="it-IT" dirty="0">
-                <a:solidFill>
-                  <a:srgbClr val="3A536D"/>
-                </a:solidFill>
-              </a:rPr>
-              <a:t>/xml</a:t>
-            </a:r>
-          </a:p>
-        </p:txBody>
-      </p:sp>
-      <p:sp>
-        <p:nvSpPr>
-          <p:cNvPr id="10" name="CasellaDiTesto 9">
-            <a:extLst>
-              <a:ext uri="{FF2B5EF4-FFF2-40B4-BE49-F238E27FC236}">
-                <a16:creationId xmlns:a16="http://schemas.microsoft.com/office/drawing/2014/main" id="{E09E2E73-EF10-4FBA-9A22-E4148435BC41}"/>
-              </a:ext>
-            </a:extLst>
-          </p:cNvPr>
-          <p:cNvSpPr txBox="1"/>
-          <p:nvPr/>
-        </p:nvSpPr>
-        <p:spPr>
-          <a:xfrm>
-            <a:off x="3796747" y="3905774"/>
-            <a:ext cx="861133" cy="307777"/>
-          </a:xfrm>
-          <a:prstGeom prst="rect">
-            <a:avLst/>
-          </a:prstGeom>
-          <a:noFill/>
-        </p:spPr>
-        <p:txBody>
-          <a:bodyPr wrap="none" rtlCol="0">
-            <a:spAutoFit/>
-          </a:bodyPr>
-          <a:lstStyle/>
-          <a:p>
-            <a:r>
-              <a:rPr lang="it-IT" dirty="0">
-                <a:solidFill>
-                  <a:srgbClr val="3A536D"/>
-                </a:solidFill>
-              </a:rPr>
-              <a:t>text/html</a:t>
+              <a:rPr lang="en-US" dirty="0" err="1"/>
+              <a:t>JavaServer</a:t>
+            </a:r>
+            <a:r>
+              <a:rPr lang="en-US" dirty="0"/>
+              <a:t> Pages files</a:t>
             </a:r>
           </a:p>
         </p:txBody>
@@ -15963,7 +17299,7 @@
     </p:spTree>
     <p:extLst>
       <p:ext uri="{BB962C8B-B14F-4D97-AF65-F5344CB8AC3E}">
-        <p14:creationId xmlns:p14="http://schemas.microsoft.com/office/powerpoint/2010/main" val="2134057912"/>
+        <p14:creationId xmlns:p14="http://schemas.microsoft.com/office/powerpoint/2010/main" val="386404444"/>
       </p:ext>
     </p:extLst>
   </p:cSld>
@@ -16016,6 +17352,22 @@
           <a:lstStyle/>
           <a:p>
             <a:pPr lvl="0"/>
+            <a:r>
+              <a:rPr lang="it-IT" sz="3000" dirty="0">
+                <a:solidFill>
+                  <a:srgbClr val="003366"/>
+                </a:solidFill>
+              </a:rPr>
+              <a:t>Resource </a:t>
+            </a:r>
+            <a:r>
+              <a:rPr lang="it-IT" sz="3000" dirty="0" err="1">
+                <a:solidFill>
+                  <a:srgbClr val="003366"/>
+                </a:solidFill>
+              </a:rPr>
+              <a:t>visualization</a:t>
+            </a:r>
             <a:endParaRPr sz="3000" dirty="0">
               <a:solidFill>
                 <a:srgbClr val="003366"/>
@@ -16248,10 +17600,10 @@
       </p:sp>
       <p:sp>
         <p:nvSpPr>
-          <p:cNvPr id="2" name="CasellaDiTesto 1">
+          <p:cNvPr id="14" name="CasellaDiTesto 13">
             <a:extLst>
               <a:ext uri="{FF2B5EF4-FFF2-40B4-BE49-F238E27FC236}">
-                <a16:creationId xmlns:a16="http://schemas.microsoft.com/office/drawing/2014/main" id="{0F87A4DB-738C-41D6-92A8-BE77B0D28792}"/>
+                <a16:creationId xmlns:a16="http://schemas.microsoft.com/office/drawing/2014/main" id="{A592ECC0-A7D5-440F-ABA1-D798716ACA5D}"/>
               </a:ext>
             </a:extLst>
           </p:cNvPr>
@@ -16260,8 +17612,8 @@
         </p:nvSpPr>
         <p:spPr>
           <a:xfrm>
-            <a:off x="522152" y="2971799"/>
-            <a:ext cx="8099693" cy="830997"/>
+            <a:off x="82450" y="894522"/>
+            <a:ext cx="8891900" cy="338554"/>
           </a:xfrm>
           <a:prstGeom prst="rect">
             <a:avLst/>
@@ -16274,41 +17626,431 @@
           </a:bodyPr>
           <a:lstStyle/>
           <a:p>
-            <a:pPr algn="ctr"/>
-            <a:r>
-              <a:rPr lang="it-IT" sz="2400" dirty="0">
-                <a:solidFill>
-                  <a:srgbClr val="3A536D"/>
-                </a:solidFill>
-              </a:rPr>
-              <a:t>Code </a:t>
-            </a:r>
-            <a:r>
-              <a:rPr lang="it-IT" sz="2400" dirty="0" err="1">
-                <a:solidFill>
-                  <a:srgbClr val="3A536D"/>
-                </a:solidFill>
-              </a:rPr>
-              <a:t>available</a:t>
-            </a:r>
-            <a:r>
-              <a:rPr lang="it-IT" sz="2400" dirty="0">
-                <a:solidFill>
-                  <a:srgbClr val="3A536D"/>
-                </a:solidFill>
-              </a:rPr>
-              <a:t> on </a:t>
+            <a:pPr marL="285750" indent="-285750">
+              <a:buFont typeface="Arial" panose="020B0604020202020204" pitchFamily="34" charset="0"/>
+              <a:buChar char="•"/>
+            </a:pPr>
+            <a:r>
+              <a:rPr lang="it-IT" sz="1600" dirty="0">
+                <a:solidFill>
+                  <a:srgbClr val="3A536D"/>
+                </a:solidFill>
+              </a:rPr>
+              <a:t>XML and JSON: </a:t>
+            </a:r>
+            <a:r>
+              <a:rPr lang="it-IT" sz="1600" dirty="0" err="1">
+                <a:solidFill>
+                  <a:srgbClr val="3A536D"/>
+                </a:solidFill>
+              </a:rPr>
+              <a:t>simple</a:t>
+            </a:r>
+            <a:r>
+              <a:rPr lang="it-IT" sz="1600" dirty="0">
+                <a:solidFill>
+                  <a:srgbClr val="3A536D"/>
+                </a:solidFill>
+              </a:rPr>
+              <a:t> </a:t>
+            </a:r>
+            <a:r>
+              <a:rPr lang="it-IT" sz="1600" dirty="0" err="1">
+                <a:solidFill>
+                  <a:srgbClr val="3A536D"/>
+                </a:solidFill>
+              </a:rPr>
+              <a:t>annotations</a:t>
+            </a:r>
+            <a:r>
+              <a:rPr lang="it-IT" sz="1600" dirty="0">
+                <a:solidFill>
+                  <a:srgbClr val="3A536D"/>
+                </a:solidFill>
+              </a:rPr>
+              <a:t> on model classes</a:t>
             </a:r>
           </a:p>
+        </p:txBody>
+      </p:sp>
+      <p:pic>
+        <p:nvPicPr>
+          <p:cNvPr id="4" name="Immagine 3">
+            <a:extLst>
+              <a:ext uri="{FF2B5EF4-FFF2-40B4-BE49-F238E27FC236}">
+                <a16:creationId xmlns:a16="http://schemas.microsoft.com/office/drawing/2014/main" id="{0E686DAB-957E-4561-8B95-8855F5645964}"/>
+              </a:ext>
+            </a:extLst>
+          </p:cNvPr>
+          <p:cNvPicPr>
+            <a:picLocks noChangeAspect="1"/>
+          </p:cNvPicPr>
+          <p:nvPr/>
+        </p:nvPicPr>
+        <p:blipFill>
+          <a:blip r:embed="rId6"/>
+          <a:stretch>
+            <a:fillRect/>
+          </a:stretch>
+        </p:blipFill>
+        <p:spPr>
+          <a:xfrm>
+            <a:off x="82450" y="1322367"/>
+            <a:ext cx="5767678" cy="1765171"/>
+          </a:xfrm>
+          <a:prstGeom prst="rect">
+            <a:avLst/>
+          </a:prstGeom>
+        </p:spPr>
+      </p:pic>
+      <p:sp>
+        <p:nvSpPr>
+          <p:cNvPr id="16" name="CasellaDiTesto 15">
+            <a:extLst>
+              <a:ext uri="{FF2B5EF4-FFF2-40B4-BE49-F238E27FC236}">
+                <a16:creationId xmlns:a16="http://schemas.microsoft.com/office/drawing/2014/main" id="{1325A62F-7C63-4A2A-A567-A9D11BF1235D}"/>
+              </a:ext>
+            </a:extLst>
+          </p:cNvPr>
+          <p:cNvSpPr txBox="1"/>
+          <p:nvPr/>
+        </p:nvSpPr>
+        <p:spPr>
+          <a:xfrm>
+            <a:off x="126049" y="3711357"/>
+            <a:ext cx="8891900" cy="338554"/>
+          </a:xfrm>
+          <a:prstGeom prst="rect">
+            <a:avLst/>
+          </a:prstGeom>
+          <a:noFill/>
+        </p:spPr>
+        <p:txBody>
+          <a:bodyPr wrap="square" rtlCol="0">
+            <a:spAutoFit/>
+          </a:bodyPr>
+          <a:lstStyle/>
           <a:p>
-            <a:pPr algn="ctr"/>
-            <a:r>
-              <a:rPr lang="it-IT" sz="2400" dirty="0">
-                <a:solidFill>
-                  <a:srgbClr val="3A536D"/>
-                </a:solidFill>
-              </a:rPr>
-              <a:t>https://github.com/ripa1993/mw_rest</a:t>
+            <a:pPr marL="285750" indent="-285750">
+              <a:buFont typeface="Arial" panose="020B0604020202020204" pitchFamily="34" charset="0"/>
+              <a:buChar char="•"/>
+            </a:pPr>
+            <a:r>
+              <a:rPr lang="it-IT" sz="1600" dirty="0">
+                <a:solidFill>
+                  <a:srgbClr val="3A536D"/>
+                </a:solidFill>
+              </a:rPr>
+              <a:t>HTML: </a:t>
+            </a:r>
+            <a:r>
+              <a:rPr lang="it-IT" sz="1600" dirty="0" err="1">
+                <a:solidFill>
+                  <a:srgbClr val="3A536D"/>
+                </a:solidFill>
+              </a:rPr>
+              <a:t>templating</a:t>
+            </a:r>
+            <a:r>
+              <a:rPr lang="it-IT" sz="1600" dirty="0">
+                <a:solidFill>
+                  <a:srgbClr val="3A536D"/>
+                </a:solidFill>
+              </a:rPr>
+              <a:t> </a:t>
+            </a:r>
+            <a:r>
+              <a:rPr lang="it-IT" sz="1600" dirty="0" err="1">
+                <a:solidFill>
+                  <a:srgbClr val="3A536D"/>
+                </a:solidFill>
+              </a:rPr>
+              <a:t>using</a:t>
+            </a:r>
+            <a:r>
+              <a:rPr lang="it-IT" sz="1600" dirty="0">
+                <a:solidFill>
+                  <a:srgbClr val="3A536D"/>
+                </a:solidFill>
+              </a:rPr>
+              <a:t> Jersey </a:t>
+            </a:r>
+            <a:r>
+              <a:rPr lang="it-IT" sz="1600" dirty="0" err="1">
+                <a:solidFill>
+                  <a:srgbClr val="3A536D"/>
+                </a:solidFill>
+              </a:rPr>
+              <a:t>integration</a:t>
+            </a:r>
+            <a:r>
+              <a:rPr lang="it-IT" sz="1600" dirty="0">
+                <a:solidFill>
+                  <a:srgbClr val="3A536D"/>
+                </a:solidFill>
+              </a:rPr>
+              <a:t> with </a:t>
+            </a:r>
+            <a:r>
+              <a:rPr lang="it-IT" sz="1600" dirty="0" err="1">
+                <a:solidFill>
+                  <a:srgbClr val="3A536D"/>
+                </a:solidFill>
+              </a:rPr>
+              <a:t>JavaServer</a:t>
+            </a:r>
+            <a:r>
+              <a:rPr lang="it-IT" sz="1600" dirty="0">
+                <a:solidFill>
+                  <a:srgbClr val="3A536D"/>
+                </a:solidFill>
+              </a:rPr>
+              <a:t> </a:t>
+            </a:r>
+            <a:r>
+              <a:rPr lang="it-IT" sz="1600" dirty="0" err="1">
+                <a:solidFill>
+                  <a:srgbClr val="3A536D"/>
+                </a:solidFill>
+              </a:rPr>
+              <a:t>pages</a:t>
+            </a:r>
+            <a:endParaRPr lang="it-IT" sz="1600" dirty="0">
+              <a:solidFill>
+                <a:srgbClr val="3A536D"/>
+              </a:solidFill>
+            </a:endParaRPr>
+          </a:p>
+        </p:txBody>
+      </p:sp>
+      <p:pic>
+        <p:nvPicPr>
+          <p:cNvPr id="5" name="Immagine 4">
+            <a:extLst>
+              <a:ext uri="{FF2B5EF4-FFF2-40B4-BE49-F238E27FC236}">
+                <a16:creationId xmlns:a16="http://schemas.microsoft.com/office/drawing/2014/main" id="{E46F4586-F5D8-46F2-950A-0B755A6F8BFC}"/>
+              </a:ext>
+            </a:extLst>
+          </p:cNvPr>
+          <p:cNvPicPr>
+            <a:picLocks noChangeAspect="1"/>
+          </p:cNvPicPr>
+          <p:nvPr/>
+        </p:nvPicPr>
+        <p:blipFill>
+          <a:blip r:embed="rId7"/>
+          <a:stretch>
+            <a:fillRect/>
+          </a:stretch>
+        </p:blipFill>
+        <p:spPr>
+          <a:xfrm>
+            <a:off x="0" y="4211418"/>
+            <a:ext cx="5270891" cy="1679817"/>
+          </a:xfrm>
+          <a:prstGeom prst="rect">
+            <a:avLst/>
+          </a:prstGeom>
+        </p:spPr>
+      </p:pic>
+      <p:pic>
+        <p:nvPicPr>
+          <p:cNvPr id="6" name="Immagine 5">
+            <a:extLst>
+              <a:ext uri="{FF2B5EF4-FFF2-40B4-BE49-F238E27FC236}">
+                <a16:creationId xmlns:a16="http://schemas.microsoft.com/office/drawing/2014/main" id="{119EEDB7-3EDA-406B-893E-12D6396F3003}"/>
+              </a:ext>
+            </a:extLst>
+          </p:cNvPr>
+          <p:cNvPicPr>
+            <a:picLocks noChangeAspect="1"/>
+          </p:cNvPicPr>
+          <p:nvPr/>
+        </p:nvPicPr>
+        <p:blipFill>
+          <a:blip r:embed="rId8"/>
+          <a:stretch>
+            <a:fillRect/>
+          </a:stretch>
+        </p:blipFill>
+        <p:spPr>
+          <a:xfrm>
+            <a:off x="5270891" y="4610895"/>
+            <a:ext cx="4005470" cy="1035027"/>
+          </a:xfrm>
+          <a:prstGeom prst="rect">
+            <a:avLst/>
+          </a:prstGeom>
+        </p:spPr>
+      </p:pic>
+      <p:sp>
+        <p:nvSpPr>
+          <p:cNvPr id="7" name="CasellaDiTesto 6">
+            <a:extLst>
+              <a:ext uri="{FF2B5EF4-FFF2-40B4-BE49-F238E27FC236}">
+                <a16:creationId xmlns:a16="http://schemas.microsoft.com/office/drawing/2014/main" id="{DD16BFBF-91C2-4D00-A12C-8A04A126981F}"/>
+              </a:ext>
+            </a:extLst>
+          </p:cNvPr>
+          <p:cNvSpPr txBox="1"/>
+          <p:nvPr/>
+        </p:nvSpPr>
+        <p:spPr>
+          <a:xfrm>
+            <a:off x="1304590" y="5785946"/>
+            <a:ext cx="1194558" cy="307777"/>
+          </a:xfrm>
+          <a:prstGeom prst="rect">
+            <a:avLst/>
+          </a:prstGeom>
+          <a:noFill/>
+        </p:spPr>
+        <p:txBody>
+          <a:bodyPr wrap="none" rtlCol="0">
+            <a:spAutoFit/>
+          </a:bodyPr>
+          <a:lstStyle/>
+          <a:p>
+            <a:r>
+              <a:rPr lang="en-US" dirty="0" err="1"/>
+              <a:t>Java+Jersey</a:t>
+            </a:r>
+            <a:endParaRPr lang="en-US" dirty="0"/>
+          </a:p>
+        </p:txBody>
+      </p:sp>
+      <p:sp>
+        <p:nvSpPr>
+          <p:cNvPr id="8" name="CasellaDiTesto 7">
+            <a:extLst>
+              <a:ext uri="{FF2B5EF4-FFF2-40B4-BE49-F238E27FC236}">
+                <a16:creationId xmlns:a16="http://schemas.microsoft.com/office/drawing/2014/main" id="{ED90F9BB-9B0F-4D94-B43E-F4C14123B72E}"/>
+              </a:ext>
+            </a:extLst>
+          </p:cNvPr>
+          <p:cNvSpPr txBox="1"/>
+          <p:nvPr/>
+        </p:nvSpPr>
+        <p:spPr>
+          <a:xfrm>
+            <a:off x="6501411" y="5754107"/>
+            <a:ext cx="564578" cy="307777"/>
+          </a:xfrm>
+          <a:prstGeom prst="rect">
+            <a:avLst/>
+          </a:prstGeom>
+          <a:noFill/>
+        </p:spPr>
+        <p:txBody>
+          <a:bodyPr wrap="none" rtlCol="0">
+            <a:spAutoFit/>
+          </a:bodyPr>
+          <a:lstStyle/>
+          <a:p>
+            <a:r>
+              <a:rPr lang="en-US" dirty="0"/>
+              <a:t>JSP </a:t>
+            </a:r>
+          </a:p>
+        </p:txBody>
+      </p:sp>
+      <p:pic>
+        <p:nvPicPr>
+          <p:cNvPr id="9" name="Immagine 8">
+            <a:extLst>
+              <a:ext uri="{FF2B5EF4-FFF2-40B4-BE49-F238E27FC236}">
+                <a16:creationId xmlns:a16="http://schemas.microsoft.com/office/drawing/2014/main" id="{8A52C202-B161-42EA-A5B6-9F178012E888}"/>
+              </a:ext>
+            </a:extLst>
+          </p:cNvPr>
+          <p:cNvPicPr>
+            <a:picLocks noChangeAspect="1"/>
+          </p:cNvPicPr>
+          <p:nvPr/>
+        </p:nvPicPr>
+        <p:blipFill>
+          <a:blip r:embed="rId9"/>
+          <a:stretch>
+            <a:fillRect/>
+          </a:stretch>
+        </p:blipFill>
+        <p:spPr>
+          <a:xfrm>
+            <a:off x="3079936" y="1834641"/>
+            <a:ext cx="6064062" cy="1188169"/>
+          </a:xfrm>
+          <a:prstGeom prst="rect">
+            <a:avLst/>
+          </a:prstGeom>
+        </p:spPr>
+      </p:pic>
+      <p:sp>
+        <p:nvSpPr>
+          <p:cNvPr id="10" name="CasellaDiTesto 9">
+            <a:extLst>
+              <a:ext uri="{FF2B5EF4-FFF2-40B4-BE49-F238E27FC236}">
+                <a16:creationId xmlns:a16="http://schemas.microsoft.com/office/drawing/2014/main" id="{AFF9B249-A920-4CDF-BB02-D4279A480CFD}"/>
+              </a:ext>
+            </a:extLst>
+          </p:cNvPr>
+          <p:cNvSpPr txBox="1"/>
+          <p:nvPr/>
+        </p:nvSpPr>
+        <p:spPr>
+          <a:xfrm>
+            <a:off x="5705226" y="3024152"/>
+            <a:ext cx="1194558" cy="307777"/>
+          </a:xfrm>
+          <a:prstGeom prst="rect">
+            <a:avLst/>
+          </a:prstGeom>
+          <a:noFill/>
+        </p:spPr>
+        <p:txBody>
+          <a:bodyPr wrap="none" rtlCol="0">
+            <a:spAutoFit/>
+          </a:bodyPr>
+          <a:lstStyle/>
+          <a:p>
+            <a:r>
+              <a:rPr lang="en-US" dirty="0" err="1"/>
+              <a:t>Java+Jersey</a:t>
+            </a:r>
+            <a:endParaRPr lang="en-US" dirty="0"/>
+          </a:p>
+        </p:txBody>
+      </p:sp>
+      <p:sp>
+        <p:nvSpPr>
+          <p:cNvPr id="15" name="CasellaDiTesto 14">
+            <a:extLst>
+              <a:ext uri="{FF2B5EF4-FFF2-40B4-BE49-F238E27FC236}">
+                <a16:creationId xmlns:a16="http://schemas.microsoft.com/office/drawing/2014/main" id="{6F49B2FD-90E6-410C-A267-1F7AE14D6590}"/>
+              </a:ext>
+            </a:extLst>
+          </p:cNvPr>
+          <p:cNvSpPr txBox="1"/>
+          <p:nvPr/>
+        </p:nvSpPr>
+        <p:spPr>
+          <a:xfrm>
+            <a:off x="238539" y="3178040"/>
+            <a:ext cx="1499128" cy="307777"/>
+          </a:xfrm>
+          <a:prstGeom prst="rect">
+            <a:avLst/>
+          </a:prstGeom>
+          <a:noFill/>
+        </p:spPr>
+        <p:txBody>
+          <a:bodyPr wrap="none" rtlCol="0">
+            <a:spAutoFit/>
+          </a:bodyPr>
+          <a:lstStyle/>
+          <a:p>
+            <a:r>
+              <a:rPr lang="en-US" dirty="0"/>
+              <a:t>Annotated Class</a:t>
             </a:r>
           </a:p>
         </p:txBody>
@@ -16316,7 +18058,7 @@
     </p:spTree>
     <p:extLst>
       <p:ext uri="{BB962C8B-B14F-4D97-AF65-F5344CB8AC3E}">
-        <p14:creationId xmlns:p14="http://schemas.microsoft.com/office/powerpoint/2010/main" val="2958643530"/>
+        <p14:creationId xmlns:p14="http://schemas.microsoft.com/office/powerpoint/2010/main" val="1495857521"/>
       </p:ext>
     </p:extLst>
   </p:cSld>
